--- a/CairnConnect - Weekly Status Report_02272019.pptx
+++ b/CairnConnect - Weekly Status Report_02272019.pptx
@@ -3570,33 +3570,8 @@
                           <a:latin typeface="Arial" panose="020B0604020202020204" pitchFamily="34" charset="0"/>
                           <a:cs typeface="Arial" panose="020B0604020202020204" pitchFamily="34" charset="0"/>
                         </a:rPr>
-                        <a:t>Many hours of planning and design are coming together to be closer to working </a:t>
+                        <a:t>Many hours of planning and design are coming together to be closer to working on functionality</a:t>
                       </a:r>
-                      <a:r>
-                        <a:rPr kumimoji="0" lang="en-US" sz="1000" b="0" i="0" u="none" strike="noStrike" cap="none" normalizeH="0" baseline="0">
-                          <a:ln>
-                            <a:noFill/>
-                          </a:ln>
-                          <a:solidFill>
-                            <a:srgbClr val="000000"/>
-                          </a:solidFill>
-                          <a:effectLst/>
-                          <a:latin typeface="Arial" panose="020B0604020202020204" pitchFamily="34" charset="0"/>
-                          <a:cs typeface="Arial" panose="020B0604020202020204" pitchFamily="34" charset="0"/>
-                        </a:rPr>
-                        <a:t>on functionality</a:t>
-                      </a:r>
-                      <a:endParaRPr kumimoji="0" lang="en-US" sz="1000" b="0" i="0" u="none" strike="noStrike" cap="none" normalizeH="0" baseline="0" dirty="0">
-                        <a:ln>
-                          <a:noFill/>
-                        </a:ln>
-                        <a:solidFill>
-                          <a:srgbClr val="000000"/>
-                        </a:solidFill>
-                        <a:effectLst/>
-                        <a:latin typeface="Arial" panose="020B0604020202020204" pitchFamily="34" charset="0"/>
-                        <a:cs typeface="Arial" panose="020B0604020202020204" pitchFamily="34" charset="0"/>
-                      </a:endParaRPr>
                     </a:p>
                   </a:txBody>
                   <a:tcPr horzOverflow="overflow">
@@ -11406,7 +11381,7 @@
           <p:nvPr>
             <p:extLst>
               <p:ext uri="{D42A27DB-BD31-4B8C-83A1-F6EECF244321}">
-                <p14:modId xmlns:p14="http://schemas.microsoft.com/office/powerpoint/2010/main" val="3752082120"/>
+                <p14:modId xmlns:p14="http://schemas.microsoft.com/office/powerpoint/2010/main" val="1934148057"/>
               </p:ext>
             </p:extLst>
           </p:nvPr>
@@ -12918,7 +12893,7 @@
                           <a:ea typeface="+mn-ea"/>
                           <a:cs typeface="+mn-cs"/>
                         </a:rPr>
-                        <a:t>MM/DD</a:t>
+                        <a:t>03/20</a:t>
                       </a:r>
                     </a:p>
                   </a:txBody>
